--- a/Data_Analytics_2018/PPT/Lesson 08 - Data Analytics - R Programming.pptx
+++ b/Data_Analytics_2018/PPT/Lesson 08 - Data Analytics - R Programming.pptx
@@ -2,7 +2,7 @@
 <file path=ppt/presentation.xml><?xml version="1.0" encoding="utf-8"?>
 <p:presentation xmlns:a="http://schemas.openxmlformats.org/drawingml/2006/main" xmlns:r="http://schemas.openxmlformats.org/officeDocument/2006/relationships" xmlns:p="http://schemas.openxmlformats.org/presentationml/2006/main" saveSubsetFonts="1">
   <p:sldMasterIdLst>
-    <p:sldMasterId id="2147483678" r:id="rId1"/>
+    <p:sldMasterId id="2147483691" r:id="rId1"/>
   </p:sldMasterIdLst>
   <p:sldIdLst>
     <p:sldId id="256" r:id="rId2"/>
@@ -283,7 +283,7 @@
         </p:nvSpPr>
         <p:spPr>
           <a:xfrm>
-            <a:off x="152400" y="6443433"/>
+            <a:off x="152400" y="6485768"/>
             <a:ext cx="2743200" cy="365125"/>
           </a:xfrm>
         </p:spPr>
@@ -293,7 +293,7 @@
           <a:p>
             <a:fld id="{243B570E-6BE2-493C-8C86-B8378068DB77}" type="datetimeFigureOut">
               <a:rPr lang="en-US" smtClean="0"/>
-              <a:t>8/1/2018</a:t>
+              <a:t>8/11/2018</a:t>
             </a:fld>
             <a:endParaRPr lang="en-US" dirty="0"/>
           </a:p>
@@ -311,7 +311,7 @@
         </p:nvSpPr>
         <p:spPr>
           <a:xfrm>
-            <a:off x="4038600" y="6443434"/>
+            <a:off x="4038600" y="6485769"/>
             <a:ext cx="4114800" cy="365125"/>
           </a:xfrm>
         </p:spPr>
@@ -335,7 +335,7 @@
         </p:nvSpPr>
         <p:spPr>
           <a:xfrm>
-            <a:off x="9361714" y="6443432"/>
+            <a:off x="9361714" y="6485767"/>
             <a:ext cx="2743200" cy="365125"/>
           </a:xfrm>
         </p:spPr>
@@ -354,7 +354,7 @@
     </p:spTree>
     <p:extLst>
       <p:ext uri="{BB962C8B-B14F-4D97-AF65-F5344CB8AC3E}">
-        <p14:creationId xmlns:p14="http://schemas.microsoft.com/office/powerpoint/2010/main" val="2053374108"/>
+        <p14:creationId xmlns:p14="http://schemas.microsoft.com/office/powerpoint/2010/main" val="2475029634"/>
       </p:ext>
     </p:extLst>
   </p:cSld>
@@ -559,7 +559,7 @@
           <a:p>
             <a:fld id="{243B570E-6BE2-493C-8C86-B8378068DB77}" type="datetimeFigureOut">
               <a:rPr lang="en-US" smtClean="0"/>
-              <a:t>8/1/2018</a:t>
+              <a:t>8/11/2018</a:t>
             </a:fld>
             <a:endParaRPr lang="en-US" dirty="0"/>
           </a:p>
@@ -610,7 +610,7 @@
     </p:spTree>
     <p:extLst>
       <p:ext uri="{BB962C8B-B14F-4D97-AF65-F5344CB8AC3E}">
-        <p14:creationId xmlns:p14="http://schemas.microsoft.com/office/powerpoint/2010/main" val="1199980570"/>
+        <p14:creationId xmlns:p14="http://schemas.microsoft.com/office/powerpoint/2010/main" val="3972198316"/>
       </p:ext>
     </p:extLst>
   </p:cSld>
@@ -732,7 +732,7 @@
           <a:p>
             <a:fld id="{243B570E-6BE2-493C-8C86-B8378068DB77}" type="datetimeFigureOut">
               <a:rPr lang="en-US" smtClean="0"/>
-              <a:t>8/1/2018</a:t>
+              <a:t>8/11/2018</a:t>
             </a:fld>
             <a:endParaRPr lang="en-US" dirty="0"/>
           </a:p>
@@ -783,7 +783,7 @@
     </p:spTree>
     <p:extLst>
       <p:ext uri="{BB962C8B-B14F-4D97-AF65-F5344CB8AC3E}">
-        <p14:creationId xmlns:p14="http://schemas.microsoft.com/office/powerpoint/2010/main" val="3448950338"/>
+        <p14:creationId xmlns:p14="http://schemas.microsoft.com/office/powerpoint/2010/main" val="1189053263"/>
       </p:ext>
     </p:extLst>
   </p:cSld>
@@ -910,7 +910,7 @@
           <a:p>
             <a:fld id="{243B570E-6BE2-493C-8C86-B8378068DB77}" type="datetimeFigureOut">
               <a:rPr lang="en-US" smtClean="0"/>
-              <a:t>8/1/2018</a:t>
+              <a:t>8/11/2018</a:t>
             </a:fld>
             <a:endParaRPr lang="en-US" dirty="0"/>
           </a:p>
@@ -961,7 +961,7 @@
     </p:spTree>
     <p:extLst>
       <p:ext uri="{BB962C8B-B14F-4D97-AF65-F5344CB8AC3E}">
-        <p14:creationId xmlns:p14="http://schemas.microsoft.com/office/powerpoint/2010/main" val="3393575432"/>
+        <p14:creationId xmlns:p14="http://schemas.microsoft.com/office/powerpoint/2010/main" val="2950202001"/>
       </p:ext>
     </p:extLst>
   </p:cSld>
@@ -1131,7 +1131,7 @@
           <a:p>
             <a:fld id="{243B570E-6BE2-493C-8C86-B8378068DB77}" type="datetimeFigureOut">
               <a:rPr lang="en-US" smtClean="0"/>
-              <a:t>8/1/2018</a:t>
+              <a:t>8/11/2018</a:t>
             </a:fld>
             <a:endParaRPr lang="en-US" dirty="0"/>
           </a:p>
@@ -1206,7 +1206,7 @@
     </p:spTree>
     <p:extLst>
       <p:ext uri="{BB962C8B-B14F-4D97-AF65-F5344CB8AC3E}">
-        <p14:creationId xmlns:p14="http://schemas.microsoft.com/office/powerpoint/2010/main" val="825082825"/>
+        <p14:creationId xmlns:p14="http://schemas.microsoft.com/office/powerpoint/2010/main" val="1251185494"/>
       </p:ext>
     </p:extLst>
   </p:cSld>
@@ -1332,7 +1332,7 @@
             <a:fld id="{243B570E-6BE2-493C-8C86-B8378068DB77}" type="datetimeFigureOut">
               <a:rPr lang="en-US" smtClean="0"/>
               <a:pPr/>
-              <a:t>8/1/2018</a:t>
+              <a:t>8/11/2018</a:t>
             </a:fld>
             <a:endParaRPr lang="en-US" dirty="0"/>
           </a:p>
@@ -1408,7 +1408,7 @@
     </p:spTree>
     <p:extLst>
       <p:ext uri="{BB962C8B-B14F-4D97-AF65-F5344CB8AC3E}">
-        <p14:creationId xmlns:p14="http://schemas.microsoft.com/office/powerpoint/2010/main" val="3635293640"/>
+        <p14:creationId xmlns:p14="http://schemas.microsoft.com/office/powerpoint/2010/main" val="3427488885"/>
       </p:ext>
     </p:extLst>
   </p:cSld>
@@ -1607,7 +1607,7 @@
           <a:p>
             <a:fld id="{243B570E-6BE2-493C-8C86-B8378068DB77}" type="datetimeFigureOut">
               <a:rPr lang="en-US" smtClean="0"/>
-              <a:t>8/1/2018</a:t>
+              <a:t>8/11/2018</a:t>
             </a:fld>
             <a:endParaRPr lang="en-US" dirty="0"/>
           </a:p>
@@ -1658,7 +1658,7 @@
     </p:spTree>
     <p:extLst>
       <p:ext uri="{BB962C8B-B14F-4D97-AF65-F5344CB8AC3E}">
-        <p14:creationId xmlns:p14="http://schemas.microsoft.com/office/powerpoint/2010/main" val="1195468791"/>
+        <p14:creationId xmlns:p14="http://schemas.microsoft.com/office/powerpoint/2010/main" val="333531320"/>
       </p:ext>
     </p:extLst>
   </p:cSld>
@@ -1704,6 +1704,7 @@
               <a:rPr lang="en-US"/>
               <a:t>Click to edit Master title style</a:t>
             </a:r>
+            <a:endParaRPr lang="en-US" dirty="0"/>
           </a:p>
         </p:txBody>
       </p:sp>
@@ -1719,8 +1720,8 @@
         </p:nvSpPr>
         <p:spPr>
           <a:xfrm>
-            <a:off x="838200" y="1825625"/>
-            <a:ext cx="5181600" cy="4351338"/>
+            <a:off x="406400" y="1354666"/>
+            <a:ext cx="5613400" cy="5046134"/>
           </a:xfrm>
         </p:spPr>
         <p:txBody>
@@ -1827,8 +1828,8 @@
         </p:nvSpPr>
         <p:spPr>
           <a:xfrm>
-            <a:off x="6172200" y="1825625"/>
-            <a:ext cx="5181600" cy="4351338"/>
+            <a:off x="6172199" y="1354666"/>
+            <a:ext cx="5469467" cy="5046134"/>
           </a:xfrm>
         </p:spPr>
         <p:txBody>
@@ -1868,6 +1869,7 @@
               <a:rPr lang="en-US"/>
               <a:t>Fifth level</a:t>
             </a:r>
+            <a:endParaRPr lang="en-US" dirty="0"/>
           </a:p>
         </p:txBody>
       </p:sp>
@@ -1888,7 +1890,7 @@
           <a:p>
             <a:fld id="{243B570E-6BE2-493C-8C86-B8378068DB77}" type="datetimeFigureOut">
               <a:rPr lang="en-US" smtClean="0"/>
-              <a:t>8/1/2018</a:t>
+              <a:t>8/11/2018</a:t>
             </a:fld>
             <a:endParaRPr lang="en-US" dirty="0"/>
           </a:p>
@@ -1939,7 +1941,7 @@
     </p:spTree>
     <p:extLst>
       <p:ext uri="{BB962C8B-B14F-4D97-AF65-F5344CB8AC3E}">
-        <p14:creationId xmlns:p14="http://schemas.microsoft.com/office/powerpoint/2010/main" val="2315807204"/>
+        <p14:creationId xmlns:p14="http://schemas.microsoft.com/office/powerpoint/2010/main" val="2381396059"/>
       </p:ext>
     </p:extLst>
   </p:cSld>
@@ -1978,8 +1980,8 @@
         </p:nvSpPr>
         <p:spPr>
           <a:xfrm>
-            <a:off x="839788" y="161926"/>
-            <a:ext cx="8536439" cy="1325563"/>
+            <a:off x="381000" y="5555"/>
+            <a:ext cx="10151533" cy="1325563"/>
           </a:xfrm>
         </p:spPr>
         <p:txBody>
@@ -2000,17 +2002,17 @@
             <a:spLocks noGrp="1"/>
           </p:cNvSpPr>
           <p:nvPr>
-            <p:ph type="body" idx="1"/>
+            <p:ph type="body" idx="1" hasCustomPrompt="1"/>
           </p:nvPr>
         </p:nvSpPr>
         <p:spPr>
           <a:xfrm>
-            <a:off x="839788" y="1681163"/>
-            <a:ext cx="5157787" cy="823912"/>
+            <a:off x="381000" y="1444096"/>
+            <a:ext cx="5616575" cy="823912"/>
           </a:xfrm>
         </p:spPr>
         <p:txBody>
-          <a:bodyPr anchor="b"/>
+          <a:bodyPr anchor="ctr"/>
           <a:lstStyle>
             <a:lvl1pPr marL="0" indent="0">
               <a:buNone/>
@@ -2052,8 +2054,8 @@
           <a:p>
             <a:pPr lvl="0"/>
             <a:r>
-              <a:rPr lang="en-US"/>
-              <a:t>Edit Master text styles</a:t>
+              <a:rPr lang="en-US" dirty="0"/>
+              <a:t>Click to edit Master text styles</a:t>
             </a:r>
           </a:p>
         </p:txBody>
@@ -2070,8 +2072,8 @@
         </p:nvSpPr>
         <p:spPr>
           <a:xfrm>
-            <a:off x="839788" y="2505075"/>
-            <a:ext cx="5157787" cy="3684588"/>
+            <a:off x="381000" y="2268007"/>
+            <a:ext cx="5616575" cy="4014259"/>
           </a:xfrm>
         </p:spPr>
         <p:txBody>
@@ -2121,17 +2123,17 @@
             <a:spLocks noGrp="1"/>
           </p:cNvSpPr>
           <p:nvPr>
-            <p:ph type="body" sz="quarter" idx="3"/>
+            <p:ph type="body" sz="quarter" idx="3" hasCustomPrompt="1"/>
           </p:nvPr>
         </p:nvSpPr>
         <p:spPr>
           <a:xfrm>
-            <a:off x="6172200" y="1681163"/>
-            <a:ext cx="5183188" cy="823912"/>
+            <a:off x="6172200" y="1444096"/>
+            <a:ext cx="5638800" cy="823912"/>
           </a:xfrm>
         </p:spPr>
         <p:txBody>
-          <a:bodyPr anchor="b"/>
+          <a:bodyPr anchor="ctr"/>
           <a:lstStyle>
             <a:lvl1pPr marL="0" indent="0">
               <a:buNone/>
@@ -2173,8 +2175,8 @@
           <a:p>
             <a:pPr lvl="0"/>
             <a:r>
-              <a:rPr lang="en-US"/>
-              <a:t>Edit Master text styles</a:t>
+              <a:rPr lang="en-US" dirty="0"/>
+              <a:t>Click to edit Master text styles</a:t>
             </a:r>
           </a:p>
         </p:txBody>
@@ -2191,8 +2193,8 @@
         </p:nvSpPr>
         <p:spPr>
           <a:xfrm>
-            <a:off x="6172200" y="2505075"/>
-            <a:ext cx="5183188" cy="3684588"/>
+            <a:off x="6172199" y="2268007"/>
+            <a:ext cx="5616575" cy="4014259"/>
           </a:xfrm>
         </p:spPr>
         <p:txBody>
@@ -2252,7 +2254,7 @@
           <a:p>
             <a:fld id="{243B570E-6BE2-493C-8C86-B8378068DB77}" type="datetimeFigureOut">
               <a:rPr lang="en-US" smtClean="0"/>
-              <a:t>8/1/2018</a:t>
+              <a:t>8/11/2018</a:t>
             </a:fld>
             <a:endParaRPr lang="en-US" dirty="0"/>
           </a:p>
@@ -2303,7 +2305,7 @@
     </p:spTree>
     <p:extLst>
       <p:ext uri="{BB962C8B-B14F-4D97-AF65-F5344CB8AC3E}">
-        <p14:creationId xmlns:p14="http://schemas.microsoft.com/office/powerpoint/2010/main" val="3209911571"/>
+        <p14:creationId xmlns:p14="http://schemas.microsoft.com/office/powerpoint/2010/main" val="1341015961"/>
       </p:ext>
     </p:extLst>
   </p:cSld>
@@ -2383,7 +2385,7 @@
             <a:fld id="{243B570E-6BE2-493C-8C86-B8378068DB77}" type="datetimeFigureOut">
               <a:rPr lang="en-US" smtClean="0"/>
               <a:pPr/>
-              <a:t>8/1/2018</a:t>
+              <a:t>8/11/2018</a:t>
             </a:fld>
             <a:endParaRPr lang="en-US" dirty="0"/>
           </a:p>
@@ -2459,7 +2461,7 @@
     </p:spTree>
     <p:extLst>
       <p:ext uri="{BB962C8B-B14F-4D97-AF65-F5344CB8AC3E}">
-        <p14:creationId xmlns:p14="http://schemas.microsoft.com/office/powerpoint/2010/main" val="3193222582"/>
+        <p14:creationId xmlns:p14="http://schemas.microsoft.com/office/powerpoint/2010/main" val="1785920725"/>
       </p:ext>
     </p:extLst>
   </p:cSld>
@@ -2503,7 +2505,7 @@
           <a:p>
             <a:fld id="{243B570E-6BE2-493C-8C86-B8378068DB77}" type="datetimeFigureOut">
               <a:rPr lang="en-US" smtClean="0"/>
-              <a:t>8/1/2018</a:t>
+              <a:t>8/11/2018</a:t>
             </a:fld>
             <a:endParaRPr lang="en-US" dirty="0"/>
           </a:p>
@@ -2554,7 +2556,7 @@
     </p:spTree>
     <p:extLst>
       <p:ext uri="{BB962C8B-B14F-4D97-AF65-F5344CB8AC3E}">
-        <p14:creationId xmlns:p14="http://schemas.microsoft.com/office/powerpoint/2010/main" val="1967343698"/>
+        <p14:creationId xmlns:p14="http://schemas.microsoft.com/office/powerpoint/2010/main" val="900487947"/>
       </p:ext>
     </p:extLst>
   </p:cSld>
@@ -2778,7 +2780,7 @@
           <a:p>
             <a:fld id="{243B570E-6BE2-493C-8C86-B8378068DB77}" type="datetimeFigureOut">
               <a:rPr lang="en-US" smtClean="0"/>
-              <a:t>8/1/2018</a:t>
+              <a:t>8/11/2018</a:t>
             </a:fld>
             <a:endParaRPr lang="en-US" dirty="0"/>
           </a:p>
@@ -2826,40 +2828,10 @@
           </a:p>
         </p:txBody>
       </p:sp>
-      <p:cxnSp>
-        <p:nvCxnSpPr>
-          <p:cNvPr id="11" name="Straight Connector 10"/>
-          <p:cNvCxnSpPr/>
-          <p:nvPr/>
-        </p:nvCxnSpPr>
-        <p:spPr>
-          <a:xfrm>
-            <a:off x="0" y="6342743"/>
-            <a:ext cx="12192000" cy="0"/>
-          </a:xfrm>
-          <a:prstGeom prst="line">
-            <a:avLst/>
-          </a:prstGeom>
-        </p:spPr>
-        <p:style>
-          <a:lnRef idx="1">
-            <a:schemeClr val="accent1"/>
-          </a:lnRef>
-          <a:fillRef idx="0">
-            <a:schemeClr val="accent1"/>
-          </a:fillRef>
-          <a:effectRef idx="0">
-            <a:schemeClr val="accent1"/>
-          </a:effectRef>
-          <a:fontRef idx="minor">
-            <a:schemeClr val="tx1"/>
-          </a:fontRef>
-        </p:style>
-      </p:cxnSp>
     </p:spTree>
     <p:extLst>
       <p:ext uri="{BB962C8B-B14F-4D97-AF65-F5344CB8AC3E}">
-        <p14:creationId xmlns:p14="http://schemas.microsoft.com/office/powerpoint/2010/main" val="1583363661"/>
+        <p14:creationId xmlns:p14="http://schemas.microsoft.com/office/powerpoint/2010/main" val="1402705931"/>
       </p:ext>
     </p:extLst>
   </p:cSld>
@@ -3036,8 +3008,8 @@
         </p:nvSpPr>
         <p:spPr>
           <a:xfrm>
-            <a:off x="406400" y="91440"/>
-            <a:ext cx="11393714" cy="1234123"/>
+            <a:off x="406400" y="6770"/>
+            <a:ext cx="10049933" cy="1234123"/>
           </a:xfrm>
           <a:prstGeom prst="rect">
             <a:avLst/>
@@ -3068,8 +3040,8 @@
         </p:nvSpPr>
         <p:spPr>
           <a:xfrm>
-            <a:off x="406400" y="1489166"/>
-            <a:ext cx="11393714" cy="4687797"/>
+            <a:off x="406400" y="1337187"/>
+            <a:ext cx="11393714" cy="5064803"/>
           </a:xfrm>
           <a:prstGeom prst="rect">
             <a:avLst/>
@@ -3151,7 +3123,7 @@
           <a:p>
             <a:fld id="{243B570E-6BE2-493C-8C86-B8378068DB77}" type="datetimeFigureOut">
               <a:rPr lang="en-US" smtClean="0"/>
-              <a:t>8/1/2018</a:t>
+              <a:t>8/11/2018</a:t>
             </a:fld>
             <a:endParaRPr lang="en-US" dirty="0"/>
           </a:p>
@@ -3272,27 +3244,70 @@
           </a:fontRef>
         </p:style>
       </p:cxnSp>
+      <p:pic>
+        <p:nvPicPr>
+          <p:cNvPr id="10" name="Picture 9" descr="A close up of a sign&#10;&#10;Description generated with very high confidence">
+            <a:extLst>
+              <a:ext uri="{FF2B5EF4-FFF2-40B4-BE49-F238E27FC236}">
+                <a16:creationId xmlns:a16="http://schemas.microsoft.com/office/drawing/2014/main" id="{6D9D6532-6138-406D-8115-7BAFD8D73FEB}"/>
+              </a:ext>
+            </a:extLst>
+          </p:cNvPr>
+          <p:cNvPicPr>
+            <a:picLocks noChangeAspect="1"/>
+          </p:cNvPicPr>
+          <p:nvPr/>
+        </p:nvPicPr>
+        <p:blipFill>
+          <a:blip r:embed="rId16">
+            <a:duotone>
+              <a:schemeClr val="bg2">
+                <a:shade val="45000"/>
+                <a:satMod val="135000"/>
+              </a:schemeClr>
+              <a:prstClr val="white"/>
+            </a:duotone>
+            <a:extLst>
+              <a:ext uri="{28A0092B-C50C-407E-A947-70E740481C1C}">
+                <a14:useLocalDpi xmlns:a14="http://schemas.microsoft.com/office/drawing/2010/main" val="0"/>
+              </a:ext>
+            </a:extLst>
+          </a:blip>
+          <a:stretch>
+            <a:fillRect/>
+          </a:stretch>
+        </p:blipFill>
+        <p:spPr>
+          <a:xfrm>
+            <a:off x="10634133" y="96294"/>
+            <a:ext cx="1165981" cy="1229580"/>
+          </a:xfrm>
+          <a:prstGeom prst="rect">
+            <a:avLst/>
+          </a:prstGeom>
+        </p:spPr>
+      </p:pic>
     </p:spTree>
     <p:extLst>
       <p:ext uri="{BB962C8B-B14F-4D97-AF65-F5344CB8AC3E}">
-        <p14:creationId xmlns:p14="http://schemas.microsoft.com/office/powerpoint/2010/main" val="1899844088"/>
+        <p14:creationId xmlns:p14="http://schemas.microsoft.com/office/powerpoint/2010/main" val="1502452937"/>
       </p:ext>
     </p:extLst>
   </p:cSld>
   <p:clrMap bg1="lt1" tx1="dk1" bg2="lt2" tx2="dk2" accent1="accent1" accent2="accent2" accent3="accent3" accent4="accent4" accent5="accent5" accent6="accent6" hlink="hlink" folHlink="folHlink"/>
   <p:sldLayoutIdLst>
-    <p:sldLayoutId id="2147483679" r:id="rId1"/>
-    <p:sldLayoutId id="2147483680" r:id="rId2"/>
-    <p:sldLayoutId id="2147483681" r:id="rId3"/>
-    <p:sldLayoutId id="2147483682" r:id="rId4"/>
-    <p:sldLayoutId id="2147483683" r:id="rId5"/>
-    <p:sldLayoutId id="2147483684" r:id="rId6"/>
-    <p:sldLayoutId id="2147483685" r:id="rId7"/>
-    <p:sldLayoutId id="2147483686" r:id="rId8"/>
-    <p:sldLayoutId id="2147483687" r:id="rId9"/>
-    <p:sldLayoutId id="2147483688" r:id="rId10"/>
-    <p:sldLayoutId id="2147483689" r:id="rId11"/>
-    <p:sldLayoutId id="2147483690" r:id="rId12"/>
+    <p:sldLayoutId id="2147483692" r:id="rId1"/>
+    <p:sldLayoutId id="2147483693" r:id="rId2"/>
+    <p:sldLayoutId id="2147483694" r:id="rId3"/>
+    <p:sldLayoutId id="2147483695" r:id="rId4"/>
+    <p:sldLayoutId id="2147483696" r:id="rId5"/>
+    <p:sldLayoutId id="2147483697" r:id="rId6"/>
+    <p:sldLayoutId id="2147483698" r:id="rId7"/>
+    <p:sldLayoutId id="2147483699" r:id="rId8"/>
+    <p:sldLayoutId id="2147483700" r:id="rId9"/>
+    <p:sldLayoutId id="2147483701" r:id="rId10"/>
+    <p:sldLayoutId id="2147483702" r:id="rId11"/>
+    <p:sldLayoutId id="2147483703" r:id="rId12"/>
   </p:sldLayoutIdLst>
   <p:txStyles>
     <p:titleStyle>
@@ -3742,7 +3757,7 @@
         </p:blipFill>
         <p:spPr>
           <a:xfrm>
-            <a:off x="2997994" y="1699419"/>
+            <a:off x="2997994" y="1735931"/>
             <a:ext cx="6210300" cy="4267200"/>
           </a:xfrm>
           <a:prstGeom prst="rect">
@@ -3922,8 +3937,8 @@
         </p:blipFill>
         <p:spPr>
           <a:xfrm>
-            <a:off x="1747777" y="1489075"/>
-            <a:ext cx="8710734" cy="4687888"/>
+            <a:off x="1396751" y="1336675"/>
+            <a:ext cx="9412785" cy="5065713"/>
           </a:xfrm>
           <a:prstGeom prst="rect">
             <a:avLst/>
@@ -4004,7 +4019,7 @@
           <a:p>
             <a:fld id="{E7244459-F2A5-4FF9-8125-3DD79827DEF5}" type="datetime1">
               <a:rPr lang="en-US" smtClean="0"/>
-              <a:t>8/1/2018</a:t>
+              <a:t>8/11/2018</a:t>
             </a:fld>
             <a:endParaRPr lang="en-US" dirty="0"/>
           </a:p>
@@ -4154,7 +4169,7 @@
           <a:p>
             <a:fld id="{64FA1387-E9BD-4269-B052-15A23CD1D16B}" type="datetime1">
               <a:rPr lang="en-US" smtClean="0"/>
-              <a:t>8/1/2018</a:t>
+              <a:t>8/11/2018</a:t>
             </a:fld>
             <a:endParaRPr lang="en-US" dirty="0"/>
           </a:p>
@@ -4278,7 +4293,7 @@
           <a:p>
             <a:fld id="{64FA1387-E9BD-4269-B052-15A23CD1D16B}" type="datetime1">
               <a:rPr lang="en-US" smtClean="0"/>
-              <a:t>8/1/2018</a:t>
+              <a:t>8/11/2018</a:t>
             </a:fld>
             <a:endParaRPr lang="en-US" dirty="0"/>
           </a:p>
@@ -4402,7 +4417,7 @@
           <a:p>
             <a:fld id="{64FA1387-E9BD-4269-B052-15A23CD1D16B}" type="datetime1">
               <a:rPr lang="en-US" smtClean="0"/>
-              <a:t>8/1/2018</a:t>
+              <a:t>8/11/2018</a:t>
             </a:fld>
             <a:endParaRPr lang="en-US" dirty="0"/>
           </a:p>
@@ -4526,7 +4541,7 @@
           <a:p>
             <a:fld id="{64FA1387-E9BD-4269-B052-15A23CD1D16B}" type="datetime1">
               <a:rPr lang="en-US" smtClean="0"/>
-              <a:t>8/1/2018</a:t>
+              <a:t>8/11/2018</a:t>
             </a:fld>
             <a:endParaRPr lang="en-US" dirty="0"/>
           </a:p>
@@ -7132,8 +7147,8 @@
         </p:blipFill>
         <p:spPr>
           <a:xfrm>
-            <a:off x="2028234" y="1489075"/>
-            <a:ext cx="8149819" cy="4687888"/>
+            <a:off x="1699813" y="1336675"/>
+            <a:ext cx="8806662" cy="5065713"/>
           </a:xfrm>
           <a:prstGeom prst="rect">
             <a:avLst/>
@@ -9463,7 +9478,7 @@
         <p:spPr/>
         <p:txBody>
           <a:bodyPr>
-            <a:normAutofit fontScale="92500" lnSpcReduction="10000"/>
+            <a:normAutofit lnSpcReduction="10000"/>
           </a:bodyPr>
           <a:lstStyle/>
           <a:p>
@@ -11004,8 +11019,8 @@
         </p:blipFill>
         <p:spPr>
           <a:xfrm>
-            <a:off x="6369764" y="1825625"/>
-            <a:ext cx="4786471" cy="4351338"/>
+            <a:off x="6182519" y="1400969"/>
+            <a:ext cx="5448300" cy="4953000"/>
           </a:xfrm>
         </p:spPr>
       </p:pic>
@@ -11086,7 +11101,7 @@
         <p:spPr/>
         <p:txBody>
           <a:bodyPr>
-            <a:normAutofit fontScale="70000" lnSpcReduction="20000"/>
+            <a:normAutofit fontScale="77500" lnSpcReduction="20000"/>
           </a:bodyPr>
           <a:lstStyle/>
           <a:p>
@@ -11867,8 +11882,8 @@
         </p:blipFill>
         <p:spPr>
           <a:xfrm>
-            <a:off x="1759381" y="1489075"/>
-            <a:ext cx="8687526" cy="4687888"/>
+            <a:off x="1409291" y="1336675"/>
+            <a:ext cx="9387706" cy="5065713"/>
           </a:xfrm>
           <a:prstGeom prst="rect">
             <a:avLst/>
@@ -11957,8 +11972,8 @@
         </p:blipFill>
         <p:spPr>
           <a:xfrm>
-            <a:off x="2028234" y="1489075"/>
-            <a:ext cx="8149819" cy="4687888"/>
+            <a:off x="1699813" y="1336675"/>
+            <a:ext cx="8806662" cy="5065713"/>
           </a:xfrm>
           <a:prstGeom prst="rect">
             <a:avLst/>
@@ -13137,8 +13152,8 @@
         </p:blipFill>
         <p:spPr>
           <a:xfrm>
-            <a:off x="1735182" y="1489075"/>
-            <a:ext cx="8735924" cy="4687888"/>
+            <a:off x="1383141" y="1336675"/>
+            <a:ext cx="9440005" cy="5065713"/>
           </a:xfrm>
           <a:prstGeom prst="rect">
             <a:avLst/>
@@ -13227,7 +13242,7 @@
         </p:blipFill>
         <p:spPr>
           <a:xfrm>
-            <a:off x="2917031" y="1694656"/>
+            <a:off x="2917031" y="1731169"/>
             <a:ext cx="6372225" cy="4276725"/>
           </a:xfrm>
           <a:prstGeom prst="rect">
@@ -13497,7 +13512,7 @@
         </p:blipFill>
         <p:spPr>
           <a:xfrm>
-            <a:off x="2993231" y="1704181"/>
+            <a:off x="2993231" y="1740694"/>
             <a:ext cx="6219825" cy="4257675"/>
           </a:xfrm>
           <a:prstGeom prst="rect">
@@ -13773,7 +13788,7 @@
   <a:extraClrSchemeLst/>
   <a:extLst>
     <a:ext uri="{05A4C25C-085E-4340-85A3-A5531E510DB2}">
-      <thm15:themeFamily xmlns:thm15="http://schemas.microsoft.com/office/thememl/2012/main" name="Lesson 12 - Data Analytics - GLMs" id="{2D671843-01B0-4809-83B7-DCD6022711AC}" vid="{631529AC-459A-4F8A-9050-54C0368E42C7}"/>
+      <thm15:themeFamily xmlns:thm15="http://schemas.microsoft.com/office/thememl/2012/main" name="Analytics_World" id="{0D0CA6F4-4249-491F-90A1-38D2E759BAFB}" vid="{73C02A8C-8EF0-4E7B-9EF2-CA7EFEB1E564}"/>
     </a:ext>
   </a:extLst>
 </a:theme>
